--- a/ppt 16-9/0883.跟着圣灵走.pptx
+++ b/ppt 16-9/0883.跟着圣灵走.pptx
@@ -5,7 +5,7 @@
     <p:sldMasterId id="2147483648" r:id="rId1"/>
   </p:sldMasterIdLst>
   <p:sldIdLst>
-    <p:sldId id="2197" r:id="rId2"/>
+    <p:sldId id="2198" r:id="rId2"/>
   </p:sldIdLst>
   <p:sldSz cx="12192000" cy="6858000"/>
   <p:notesSz cx="6858000" cy="9144000"/>
@@ -129,7 +129,7 @@
           <p:cNvPr id="2" name="标题 1">
             <a:extLst>
               <a:ext uri="{FF2B5EF4-FFF2-40B4-BE49-F238E27FC236}">
-                <a16:creationId xmlns:a16="http://schemas.microsoft.com/office/drawing/2014/main" id="{A4C595CB-88B4-0825-54E2-46FF3C10DE97}"/>
+                <a16:creationId xmlns:a16="http://schemas.microsoft.com/office/drawing/2014/main" id="{0CAF4729-F1A5-5833-1E5F-F9178B02008A}"/>
               </a:ext>
             </a:extLst>
           </p:cNvPr>
@@ -166,7 +166,7 @@
           <p:cNvPr id="3" name="副标题 2">
             <a:extLst>
               <a:ext uri="{FF2B5EF4-FFF2-40B4-BE49-F238E27FC236}">
-                <a16:creationId xmlns:a16="http://schemas.microsoft.com/office/drawing/2014/main" id="{72BDB961-AE5D-C613-ECA8-D9D4F8E7086B}"/>
+                <a16:creationId xmlns:a16="http://schemas.microsoft.com/office/drawing/2014/main" id="{AAD3B912-A36A-4191-5233-38F1623916F4}"/>
               </a:ext>
             </a:extLst>
           </p:cNvPr>
@@ -236,7 +236,7 @@
           <p:cNvPr id="4" name="日期占位符 3">
             <a:extLst>
               <a:ext uri="{FF2B5EF4-FFF2-40B4-BE49-F238E27FC236}">
-                <a16:creationId xmlns:a16="http://schemas.microsoft.com/office/drawing/2014/main" id="{6F2243AE-F363-41AE-1545-5A37ADC8A958}"/>
+                <a16:creationId xmlns:a16="http://schemas.microsoft.com/office/drawing/2014/main" id="{A59DCBA9-0624-B544-6D67-9581AA635FB9}"/>
               </a:ext>
             </a:extLst>
           </p:cNvPr>
@@ -252,7 +252,7 @@
           <a:bodyPr/>
           <a:lstStyle/>
           <a:p>
-            <a:fld id="{67F69318-8E4A-4DA1-977C-2651B6555046}" type="datetimeFigureOut">
+            <a:fld id="{DD3431AF-418D-447D-A611-689E063CF53D}" type="datetimeFigureOut">
               <a:rPr lang="zh-CN" altLang="en-US" smtClean="0"/>
               <a:t>2024/3/10</a:t>
             </a:fld>
@@ -265,7 +265,7 @@
           <p:cNvPr id="5" name="页脚占位符 4">
             <a:extLst>
               <a:ext uri="{FF2B5EF4-FFF2-40B4-BE49-F238E27FC236}">
-                <a16:creationId xmlns:a16="http://schemas.microsoft.com/office/drawing/2014/main" id="{7CCF8EA6-3A71-0E1E-AEAC-F0E685A88E9C}"/>
+                <a16:creationId xmlns:a16="http://schemas.microsoft.com/office/drawing/2014/main" id="{16D90B8E-C239-ACF9-1688-00E3473B6D7D}"/>
               </a:ext>
             </a:extLst>
           </p:cNvPr>
@@ -290,7 +290,7 @@
           <p:cNvPr id="6" name="灯片编号占位符 5">
             <a:extLst>
               <a:ext uri="{FF2B5EF4-FFF2-40B4-BE49-F238E27FC236}">
-                <a16:creationId xmlns:a16="http://schemas.microsoft.com/office/drawing/2014/main" id="{7ADF57F1-D45D-6EF4-1CC9-81711406A34F}"/>
+                <a16:creationId xmlns:a16="http://schemas.microsoft.com/office/drawing/2014/main" id="{42242D51-1A14-670B-738D-EF0F5B65111C}"/>
               </a:ext>
             </a:extLst>
           </p:cNvPr>
@@ -306,7 +306,7 @@
           <a:bodyPr/>
           <a:lstStyle/>
           <a:p>
-            <a:fld id="{E3E6527D-611E-4785-852C-D06FCDCCFF34}" type="slidenum">
+            <a:fld id="{CC1420C6-95F6-4AE6-A1E9-753787651684}" type="slidenum">
               <a:rPr lang="zh-CN" altLang="en-US" smtClean="0"/>
               <a:t>‹#›</a:t>
             </a:fld>
@@ -317,7 +317,7 @@
     </p:spTree>
     <p:extLst>
       <p:ext uri="{BB962C8B-B14F-4D97-AF65-F5344CB8AC3E}">
-        <p14:creationId xmlns:p14="http://schemas.microsoft.com/office/powerpoint/2010/main" val="1071241438"/>
+        <p14:creationId xmlns:p14="http://schemas.microsoft.com/office/powerpoint/2010/main" val="2313821809"/>
       </p:ext>
     </p:extLst>
   </p:cSld>
@@ -349,7 +349,7 @@
           <p:cNvPr id="2" name="标题 1">
             <a:extLst>
               <a:ext uri="{FF2B5EF4-FFF2-40B4-BE49-F238E27FC236}">
-                <a16:creationId xmlns:a16="http://schemas.microsoft.com/office/drawing/2014/main" id="{FE21ED4B-EB09-DDE9-E557-EBA25D1C5C36}"/>
+                <a16:creationId xmlns:a16="http://schemas.microsoft.com/office/drawing/2014/main" id="{2EC6A81B-835D-3453-68E7-2A974F226672}"/>
               </a:ext>
             </a:extLst>
           </p:cNvPr>
@@ -377,7 +377,7 @@
           <p:cNvPr id="3" name="竖排文字占位符 2">
             <a:extLst>
               <a:ext uri="{FF2B5EF4-FFF2-40B4-BE49-F238E27FC236}">
-                <a16:creationId xmlns:a16="http://schemas.microsoft.com/office/drawing/2014/main" id="{47FD5ADE-3285-6C08-0D70-196D6116CB8A}"/>
+                <a16:creationId xmlns:a16="http://schemas.microsoft.com/office/drawing/2014/main" id="{7BD3D4CD-D814-FD85-F00B-F34C8E0B3E64}"/>
               </a:ext>
             </a:extLst>
           </p:cNvPr>
@@ -434,7 +434,7 @@
           <p:cNvPr id="4" name="日期占位符 3">
             <a:extLst>
               <a:ext uri="{FF2B5EF4-FFF2-40B4-BE49-F238E27FC236}">
-                <a16:creationId xmlns:a16="http://schemas.microsoft.com/office/drawing/2014/main" id="{420924FD-86FB-9625-CD5B-B8ADDC2FC294}"/>
+                <a16:creationId xmlns:a16="http://schemas.microsoft.com/office/drawing/2014/main" id="{5C053534-5AA4-9D03-5125-FA4FECD9DA4F}"/>
               </a:ext>
             </a:extLst>
           </p:cNvPr>
@@ -450,7 +450,7 @@
           <a:bodyPr/>
           <a:lstStyle/>
           <a:p>
-            <a:fld id="{67F69318-8E4A-4DA1-977C-2651B6555046}" type="datetimeFigureOut">
+            <a:fld id="{DD3431AF-418D-447D-A611-689E063CF53D}" type="datetimeFigureOut">
               <a:rPr lang="zh-CN" altLang="en-US" smtClean="0"/>
               <a:t>2024/3/10</a:t>
             </a:fld>
@@ -463,7 +463,7 @@
           <p:cNvPr id="5" name="页脚占位符 4">
             <a:extLst>
               <a:ext uri="{FF2B5EF4-FFF2-40B4-BE49-F238E27FC236}">
-                <a16:creationId xmlns:a16="http://schemas.microsoft.com/office/drawing/2014/main" id="{8298B025-258F-7A0B-E0C4-5AECA2C804FE}"/>
+                <a16:creationId xmlns:a16="http://schemas.microsoft.com/office/drawing/2014/main" id="{762601BD-AD89-8708-A11D-88B2454E3350}"/>
               </a:ext>
             </a:extLst>
           </p:cNvPr>
@@ -488,7 +488,7 @@
           <p:cNvPr id="6" name="灯片编号占位符 5">
             <a:extLst>
               <a:ext uri="{FF2B5EF4-FFF2-40B4-BE49-F238E27FC236}">
-                <a16:creationId xmlns:a16="http://schemas.microsoft.com/office/drawing/2014/main" id="{ED902AEC-35FD-F634-8FAF-95BE3D44F339}"/>
+                <a16:creationId xmlns:a16="http://schemas.microsoft.com/office/drawing/2014/main" id="{1C86EB21-8BDF-EF56-7539-E5A5C3F6570C}"/>
               </a:ext>
             </a:extLst>
           </p:cNvPr>
@@ -504,7 +504,7 @@
           <a:bodyPr/>
           <a:lstStyle/>
           <a:p>
-            <a:fld id="{E3E6527D-611E-4785-852C-D06FCDCCFF34}" type="slidenum">
+            <a:fld id="{CC1420C6-95F6-4AE6-A1E9-753787651684}" type="slidenum">
               <a:rPr lang="zh-CN" altLang="en-US" smtClean="0"/>
               <a:t>‹#›</a:t>
             </a:fld>
@@ -515,7 +515,7 @@
     </p:spTree>
     <p:extLst>
       <p:ext uri="{BB962C8B-B14F-4D97-AF65-F5344CB8AC3E}">
-        <p14:creationId xmlns:p14="http://schemas.microsoft.com/office/powerpoint/2010/main" val="1085170305"/>
+        <p14:creationId xmlns:p14="http://schemas.microsoft.com/office/powerpoint/2010/main" val="56809048"/>
       </p:ext>
     </p:extLst>
   </p:cSld>
@@ -547,7 +547,7 @@
           <p:cNvPr id="2" name="竖排标题 1">
             <a:extLst>
               <a:ext uri="{FF2B5EF4-FFF2-40B4-BE49-F238E27FC236}">
-                <a16:creationId xmlns:a16="http://schemas.microsoft.com/office/drawing/2014/main" id="{7C666359-DDB5-6886-6B11-9A8870C386D6}"/>
+                <a16:creationId xmlns:a16="http://schemas.microsoft.com/office/drawing/2014/main" id="{BE152098-3661-2BB8-514D-9EC5B3448851}"/>
               </a:ext>
             </a:extLst>
           </p:cNvPr>
@@ -580,7 +580,7 @@
           <p:cNvPr id="3" name="竖排文字占位符 2">
             <a:extLst>
               <a:ext uri="{FF2B5EF4-FFF2-40B4-BE49-F238E27FC236}">
-                <a16:creationId xmlns:a16="http://schemas.microsoft.com/office/drawing/2014/main" id="{41814AFE-A1D2-04D8-3789-8A834B5D3D37}"/>
+                <a16:creationId xmlns:a16="http://schemas.microsoft.com/office/drawing/2014/main" id="{9DD5BC2D-96CE-F535-16B4-0CFCEED6D572}"/>
               </a:ext>
             </a:extLst>
           </p:cNvPr>
@@ -642,7 +642,7 @@
           <p:cNvPr id="4" name="日期占位符 3">
             <a:extLst>
               <a:ext uri="{FF2B5EF4-FFF2-40B4-BE49-F238E27FC236}">
-                <a16:creationId xmlns:a16="http://schemas.microsoft.com/office/drawing/2014/main" id="{8D489107-0566-7F30-43F1-7BB489A61E6A}"/>
+                <a16:creationId xmlns:a16="http://schemas.microsoft.com/office/drawing/2014/main" id="{C9FE36AF-EE6F-D7B5-9986-EFC835993071}"/>
               </a:ext>
             </a:extLst>
           </p:cNvPr>
@@ -658,7 +658,7 @@
           <a:bodyPr/>
           <a:lstStyle/>
           <a:p>
-            <a:fld id="{67F69318-8E4A-4DA1-977C-2651B6555046}" type="datetimeFigureOut">
+            <a:fld id="{DD3431AF-418D-447D-A611-689E063CF53D}" type="datetimeFigureOut">
               <a:rPr lang="zh-CN" altLang="en-US" smtClean="0"/>
               <a:t>2024/3/10</a:t>
             </a:fld>
@@ -671,7 +671,7 @@
           <p:cNvPr id="5" name="页脚占位符 4">
             <a:extLst>
               <a:ext uri="{FF2B5EF4-FFF2-40B4-BE49-F238E27FC236}">
-                <a16:creationId xmlns:a16="http://schemas.microsoft.com/office/drawing/2014/main" id="{2A194D3D-3DB0-5352-F20F-FACD74C62A9F}"/>
+                <a16:creationId xmlns:a16="http://schemas.microsoft.com/office/drawing/2014/main" id="{91242F9E-DAC7-1D14-DC8F-973642DDF3EB}"/>
               </a:ext>
             </a:extLst>
           </p:cNvPr>
@@ -696,7 +696,7 @@
           <p:cNvPr id="6" name="灯片编号占位符 5">
             <a:extLst>
               <a:ext uri="{FF2B5EF4-FFF2-40B4-BE49-F238E27FC236}">
-                <a16:creationId xmlns:a16="http://schemas.microsoft.com/office/drawing/2014/main" id="{27F644EA-B803-92DF-620E-70B51C1F3B69}"/>
+                <a16:creationId xmlns:a16="http://schemas.microsoft.com/office/drawing/2014/main" id="{280C065B-DD86-558C-5942-9E2954B368B8}"/>
               </a:ext>
             </a:extLst>
           </p:cNvPr>
@@ -712,7 +712,7 @@
           <a:bodyPr/>
           <a:lstStyle/>
           <a:p>
-            <a:fld id="{E3E6527D-611E-4785-852C-D06FCDCCFF34}" type="slidenum">
+            <a:fld id="{CC1420C6-95F6-4AE6-A1E9-753787651684}" type="slidenum">
               <a:rPr lang="zh-CN" altLang="en-US" smtClean="0"/>
               <a:t>‹#›</a:t>
             </a:fld>
@@ -723,7 +723,7 @@
     </p:spTree>
     <p:extLst>
       <p:ext uri="{BB962C8B-B14F-4D97-AF65-F5344CB8AC3E}">
-        <p14:creationId xmlns:p14="http://schemas.microsoft.com/office/powerpoint/2010/main" val="2860551440"/>
+        <p14:creationId xmlns:p14="http://schemas.microsoft.com/office/powerpoint/2010/main" val="3330115566"/>
       </p:ext>
     </p:extLst>
   </p:cSld>
@@ -755,7 +755,7 @@
           <p:cNvPr id="2" name="标题 1">
             <a:extLst>
               <a:ext uri="{FF2B5EF4-FFF2-40B4-BE49-F238E27FC236}">
-                <a16:creationId xmlns:a16="http://schemas.microsoft.com/office/drawing/2014/main" id="{BBE89D4C-0EE3-914D-25AA-925F05271035}"/>
+                <a16:creationId xmlns:a16="http://schemas.microsoft.com/office/drawing/2014/main" id="{F957EF61-D939-5C22-57F8-6A33936FD500}"/>
               </a:ext>
             </a:extLst>
           </p:cNvPr>
@@ -783,7 +783,7 @@
           <p:cNvPr id="3" name="内容占位符 2">
             <a:extLst>
               <a:ext uri="{FF2B5EF4-FFF2-40B4-BE49-F238E27FC236}">
-                <a16:creationId xmlns:a16="http://schemas.microsoft.com/office/drawing/2014/main" id="{E9B4EDA8-E7B1-06AD-4C17-E78E4FB56806}"/>
+                <a16:creationId xmlns:a16="http://schemas.microsoft.com/office/drawing/2014/main" id="{DF959B64-6859-45D4-0269-AED8124AA91F}"/>
               </a:ext>
             </a:extLst>
           </p:cNvPr>
@@ -840,7 +840,7 @@
           <p:cNvPr id="4" name="日期占位符 3">
             <a:extLst>
               <a:ext uri="{FF2B5EF4-FFF2-40B4-BE49-F238E27FC236}">
-                <a16:creationId xmlns:a16="http://schemas.microsoft.com/office/drawing/2014/main" id="{370617B9-DB44-8B2F-B945-E8292F51E5E9}"/>
+                <a16:creationId xmlns:a16="http://schemas.microsoft.com/office/drawing/2014/main" id="{25BFAEF6-97E5-6143-08FC-6C3DB8287D1F}"/>
               </a:ext>
             </a:extLst>
           </p:cNvPr>
@@ -856,7 +856,7 @@
           <a:bodyPr/>
           <a:lstStyle/>
           <a:p>
-            <a:fld id="{67F69318-8E4A-4DA1-977C-2651B6555046}" type="datetimeFigureOut">
+            <a:fld id="{DD3431AF-418D-447D-A611-689E063CF53D}" type="datetimeFigureOut">
               <a:rPr lang="zh-CN" altLang="en-US" smtClean="0"/>
               <a:t>2024/3/10</a:t>
             </a:fld>
@@ -869,7 +869,7 @@
           <p:cNvPr id="5" name="页脚占位符 4">
             <a:extLst>
               <a:ext uri="{FF2B5EF4-FFF2-40B4-BE49-F238E27FC236}">
-                <a16:creationId xmlns:a16="http://schemas.microsoft.com/office/drawing/2014/main" id="{C0A06DE7-064F-4D93-05D7-2401DB66C327}"/>
+                <a16:creationId xmlns:a16="http://schemas.microsoft.com/office/drawing/2014/main" id="{504C7AA1-C5AD-5343-142E-E1BC0C0E3070}"/>
               </a:ext>
             </a:extLst>
           </p:cNvPr>
@@ -894,7 +894,7 @@
           <p:cNvPr id="6" name="灯片编号占位符 5">
             <a:extLst>
               <a:ext uri="{FF2B5EF4-FFF2-40B4-BE49-F238E27FC236}">
-                <a16:creationId xmlns:a16="http://schemas.microsoft.com/office/drawing/2014/main" id="{78795E4A-DE2A-6BDB-B0F2-9334516D970C}"/>
+                <a16:creationId xmlns:a16="http://schemas.microsoft.com/office/drawing/2014/main" id="{C950D131-E239-14C3-F395-EE5F24F08486}"/>
               </a:ext>
             </a:extLst>
           </p:cNvPr>
@@ -910,7 +910,7 @@
           <a:bodyPr/>
           <a:lstStyle/>
           <a:p>
-            <a:fld id="{E3E6527D-611E-4785-852C-D06FCDCCFF34}" type="slidenum">
+            <a:fld id="{CC1420C6-95F6-4AE6-A1E9-753787651684}" type="slidenum">
               <a:rPr lang="zh-CN" altLang="en-US" smtClean="0"/>
               <a:t>‹#›</a:t>
             </a:fld>
@@ -921,7 +921,7 @@
     </p:spTree>
     <p:extLst>
       <p:ext uri="{BB962C8B-B14F-4D97-AF65-F5344CB8AC3E}">
-        <p14:creationId xmlns:p14="http://schemas.microsoft.com/office/powerpoint/2010/main" val="619775949"/>
+        <p14:creationId xmlns:p14="http://schemas.microsoft.com/office/powerpoint/2010/main" val="544395711"/>
       </p:ext>
     </p:extLst>
   </p:cSld>
@@ -953,7 +953,7 @@
           <p:cNvPr id="2" name="标题 1">
             <a:extLst>
               <a:ext uri="{FF2B5EF4-FFF2-40B4-BE49-F238E27FC236}">
-                <a16:creationId xmlns:a16="http://schemas.microsoft.com/office/drawing/2014/main" id="{D91DB06F-6189-3C3B-E661-501B7E776C91}"/>
+                <a16:creationId xmlns:a16="http://schemas.microsoft.com/office/drawing/2014/main" id="{E03E90B2-A43C-0D30-B870-3771670D325D}"/>
               </a:ext>
             </a:extLst>
           </p:cNvPr>
@@ -990,7 +990,7 @@
           <p:cNvPr id="3" name="文本占位符 2">
             <a:extLst>
               <a:ext uri="{FF2B5EF4-FFF2-40B4-BE49-F238E27FC236}">
-                <a16:creationId xmlns:a16="http://schemas.microsoft.com/office/drawing/2014/main" id="{51C32F31-80CD-859B-925E-231BFB9DD99C}"/>
+                <a16:creationId xmlns:a16="http://schemas.microsoft.com/office/drawing/2014/main" id="{4572B0EF-8D0D-4D16-7A91-1090A859DF03}"/>
               </a:ext>
             </a:extLst>
           </p:cNvPr>
@@ -1115,7 +1115,7 @@
           <p:cNvPr id="4" name="日期占位符 3">
             <a:extLst>
               <a:ext uri="{FF2B5EF4-FFF2-40B4-BE49-F238E27FC236}">
-                <a16:creationId xmlns:a16="http://schemas.microsoft.com/office/drawing/2014/main" id="{FCA9513C-8AB6-72E0-8BAD-7374113148D2}"/>
+                <a16:creationId xmlns:a16="http://schemas.microsoft.com/office/drawing/2014/main" id="{69B846B6-179C-5C82-2A3D-0D85F0B643D2}"/>
               </a:ext>
             </a:extLst>
           </p:cNvPr>
@@ -1131,7 +1131,7 @@
           <a:bodyPr/>
           <a:lstStyle/>
           <a:p>
-            <a:fld id="{67F69318-8E4A-4DA1-977C-2651B6555046}" type="datetimeFigureOut">
+            <a:fld id="{DD3431AF-418D-447D-A611-689E063CF53D}" type="datetimeFigureOut">
               <a:rPr lang="zh-CN" altLang="en-US" smtClean="0"/>
               <a:t>2024/3/10</a:t>
             </a:fld>
@@ -1144,7 +1144,7 @@
           <p:cNvPr id="5" name="页脚占位符 4">
             <a:extLst>
               <a:ext uri="{FF2B5EF4-FFF2-40B4-BE49-F238E27FC236}">
-                <a16:creationId xmlns:a16="http://schemas.microsoft.com/office/drawing/2014/main" id="{E56FF4C1-BC9E-B6E0-C3C1-A9918E190629}"/>
+                <a16:creationId xmlns:a16="http://schemas.microsoft.com/office/drawing/2014/main" id="{64F91A20-1EEC-50C6-4869-BCE4279E9973}"/>
               </a:ext>
             </a:extLst>
           </p:cNvPr>
@@ -1169,7 +1169,7 @@
           <p:cNvPr id="6" name="灯片编号占位符 5">
             <a:extLst>
               <a:ext uri="{FF2B5EF4-FFF2-40B4-BE49-F238E27FC236}">
-                <a16:creationId xmlns:a16="http://schemas.microsoft.com/office/drawing/2014/main" id="{504224AB-499A-C266-5600-CC05922F5D14}"/>
+                <a16:creationId xmlns:a16="http://schemas.microsoft.com/office/drawing/2014/main" id="{FB68C63A-3E1D-6D9D-4C6A-67F65033CE9A}"/>
               </a:ext>
             </a:extLst>
           </p:cNvPr>
@@ -1185,7 +1185,7 @@
           <a:bodyPr/>
           <a:lstStyle/>
           <a:p>
-            <a:fld id="{E3E6527D-611E-4785-852C-D06FCDCCFF34}" type="slidenum">
+            <a:fld id="{CC1420C6-95F6-4AE6-A1E9-753787651684}" type="slidenum">
               <a:rPr lang="zh-CN" altLang="en-US" smtClean="0"/>
               <a:t>‹#›</a:t>
             </a:fld>
@@ -1196,7 +1196,7 @@
     </p:spTree>
     <p:extLst>
       <p:ext uri="{BB962C8B-B14F-4D97-AF65-F5344CB8AC3E}">
-        <p14:creationId xmlns:p14="http://schemas.microsoft.com/office/powerpoint/2010/main" val="3464138545"/>
+        <p14:creationId xmlns:p14="http://schemas.microsoft.com/office/powerpoint/2010/main" val="167182177"/>
       </p:ext>
     </p:extLst>
   </p:cSld>
@@ -1228,7 +1228,7 @@
           <p:cNvPr id="2" name="标题 1">
             <a:extLst>
               <a:ext uri="{FF2B5EF4-FFF2-40B4-BE49-F238E27FC236}">
-                <a16:creationId xmlns:a16="http://schemas.microsoft.com/office/drawing/2014/main" id="{F150AFC8-0565-24A4-A446-FF09F837253A}"/>
+                <a16:creationId xmlns:a16="http://schemas.microsoft.com/office/drawing/2014/main" id="{150700A7-359C-0B6F-1BB9-917150B7B210}"/>
               </a:ext>
             </a:extLst>
           </p:cNvPr>
@@ -1256,7 +1256,7 @@
           <p:cNvPr id="3" name="内容占位符 2">
             <a:extLst>
               <a:ext uri="{FF2B5EF4-FFF2-40B4-BE49-F238E27FC236}">
-                <a16:creationId xmlns:a16="http://schemas.microsoft.com/office/drawing/2014/main" id="{96ABD23C-FA2F-10F6-59E1-703F929EE7FF}"/>
+                <a16:creationId xmlns:a16="http://schemas.microsoft.com/office/drawing/2014/main" id="{9AAD7536-F01A-A51B-9589-6AE8934280B4}"/>
               </a:ext>
             </a:extLst>
           </p:cNvPr>
@@ -1318,7 +1318,7 @@
           <p:cNvPr id="4" name="内容占位符 3">
             <a:extLst>
               <a:ext uri="{FF2B5EF4-FFF2-40B4-BE49-F238E27FC236}">
-                <a16:creationId xmlns:a16="http://schemas.microsoft.com/office/drawing/2014/main" id="{7EB32B8E-2ED4-556B-8340-5D293C5D8FC4}"/>
+                <a16:creationId xmlns:a16="http://schemas.microsoft.com/office/drawing/2014/main" id="{7A979BAB-7161-A472-B1DB-E91ADF16480E}"/>
               </a:ext>
             </a:extLst>
           </p:cNvPr>
@@ -1380,7 +1380,7 @@
           <p:cNvPr id="5" name="日期占位符 4">
             <a:extLst>
               <a:ext uri="{FF2B5EF4-FFF2-40B4-BE49-F238E27FC236}">
-                <a16:creationId xmlns:a16="http://schemas.microsoft.com/office/drawing/2014/main" id="{6A6D3029-0DE8-4BD5-365B-20A94CDCF725}"/>
+                <a16:creationId xmlns:a16="http://schemas.microsoft.com/office/drawing/2014/main" id="{85F1F413-88C8-8319-22B8-BBD659BE5DFF}"/>
               </a:ext>
             </a:extLst>
           </p:cNvPr>
@@ -1396,7 +1396,7 @@
           <a:bodyPr/>
           <a:lstStyle/>
           <a:p>
-            <a:fld id="{67F69318-8E4A-4DA1-977C-2651B6555046}" type="datetimeFigureOut">
+            <a:fld id="{DD3431AF-418D-447D-A611-689E063CF53D}" type="datetimeFigureOut">
               <a:rPr lang="zh-CN" altLang="en-US" smtClean="0"/>
               <a:t>2024/3/10</a:t>
             </a:fld>
@@ -1409,7 +1409,7 @@
           <p:cNvPr id="6" name="页脚占位符 5">
             <a:extLst>
               <a:ext uri="{FF2B5EF4-FFF2-40B4-BE49-F238E27FC236}">
-                <a16:creationId xmlns:a16="http://schemas.microsoft.com/office/drawing/2014/main" id="{672C8269-C3D8-AF48-4688-AD3381EDC11D}"/>
+                <a16:creationId xmlns:a16="http://schemas.microsoft.com/office/drawing/2014/main" id="{528F94F1-DDA2-A7BF-EE00-C58956837DCB}"/>
               </a:ext>
             </a:extLst>
           </p:cNvPr>
@@ -1434,7 +1434,7 @@
           <p:cNvPr id="7" name="灯片编号占位符 6">
             <a:extLst>
               <a:ext uri="{FF2B5EF4-FFF2-40B4-BE49-F238E27FC236}">
-                <a16:creationId xmlns:a16="http://schemas.microsoft.com/office/drawing/2014/main" id="{56A406D6-2C3B-D1C5-18F1-49F2CEA07306}"/>
+                <a16:creationId xmlns:a16="http://schemas.microsoft.com/office/drawing/2014/main" id="{D855F43C-E5EA-5E7E-43D6-4806C86B5178}"/>
               </a:ext>
             </a:extLst>
           </p:cNvPr>
@@ -1450,7 +1450,7 @@
           <a:bodyPr/>
           <a:lstStyle/>
           <a:p>
-            <a:fld id="{E3E6527D-611E-4785-852C-D06FCDCCFF34}" type="slidenum">
+            <a:fld id="{CC1420C6-95F6-4AE6-A1E9-753787651684}" type="slidenum">
               <a:rPr lang="zh-CN" altLang="en-US" smtClean="0"/>
               <a:t>‹#›</a:t>
             </a:fld>
@@ -1461,7 +1461,7 @@
     </p:spTree>
     <p:extLst>
       <p:ext uri="{BB962C8B-B14F-4D97-AF65-F5344CB8AC3E}">
-        <p14:creationId xmlns:p14="http://schemas.microsoft.com/office/powerpoint/2010/main" val="3857445611"/>
+        <p14:creationId xmlns:p14="http://schemas.microsoft.com/office/powerpoint/2010/main" val="2599643932"/>
       </p:ext>
     </p:extLst>
   </p:cSld>
@@ -1493,7 +1493,7 @@
           <p:cNvPr id="2" name="标题 1">
             <a:extLst>
               <a:ext uri="{FF2B5EF4-FFF2-40B4-BE49-F238E27FC236}">
-                <a16:creationId xmlns:a16="http://schemas.microsoft.com/office/drawing/2014/main" id="{03C222C6-4095-53C7-5ADE-368634D55DC1}"/>
+                <a16:creationId xmlns:a16="http://schemas.microsoft.com/office/drawing/2014/main" id="{02E50AA6-69E2-D766-CA12-5DAD35E1DC5A}"/>
               </a:ext>
             </a:extLst>
           </p:cNvPr>
@@ -1526,7 +1526,7 @@
           <p:cNvPr id="3" name="文本占位符 2">
             <a:extLst>
               <a:ext uri="{FF2B5EF4-FFF2-40B4-BE49-F238E27FC236}">
-                <a16:creationId xmlns:a16="http://schemas.microsoft.com/office/drawing/2014/main" id="{FF002481-7F21-41E3-D6B3-9C896A66EF67}"/>
+                <a16:creationId xmlns:a16="http://schemas.microsoft.com/office/drawing/2014/main" id="{7B550419-84D0-8B85-4ABD-B8124F27F614}"/>
               </a:ext>
             </a:extLst>
           </p:cNvPr>
@@ -1597,7 +1597,7 @@
           <p:cNvPr id="4" name="内容占位符 3">
             <a:extLst>
               <a:ext uri="{FF2B5EF4-FFF2-40B4-BE49-F238E27FC236}">
-                <a16:creationId xmlns:a16="http://schemas.microsoft.com/office/drawing/2014/main" id="{AD22E33A-3B65-8380-5857-7CA934EF7D0F}"/>
+                <a16:creationId xmlns:a16="http://schemas.microsoft.com/office/drawing/2014/main" id="{EC17EA15-2807-E9D8-EF7A-44B1FB41955D}"/>
               </a:ext>
             </a:extLst>
           </p:cNvPr>
@@ -1659,7 +1659,7 @@
           <p:cNvPr id="5" name="文本占位符 4">
             <a:extLst>
               <a:ext uri="{FF2B5EF4-FFF2-40B4-BE49-F238E27FC236}">
-                <a16:creationId xmlns:a16="http://schemas.microsoft.com/office/drawing/2014/main" id="{3D58DF69-A980-7EB9-F99B-C7D6156B6552}"/>
+                <a16:creationId xmlns:a16="http://schemas.microsoft.com/office/drawing/2014/main" id="{CDCBAB37-CBB5-25A6-558F-4EACE86F8E77}"/>
               </a:ext>
             </a:extLst>
           </p:cNvPr>
@@ -1730,7 +1730,7 @@
           <p:cNvPr id="6" name="内容占位符 5">
             <a:extLst>
               <a:ext uri="{FF2B5EF4-FFF2-40B4-BE49-F238E27FC236}">
-                <a16:creationId xmlns:a16="http://schemas.microsoft.com/office/drawing/2014/main" id="{F94C63C8-5C4E-0F90-DB02-B01339429424}"/>
+                <a16:creationId xmlns:a16="http://schemas.microsoft.com/office/drawing/2014/main" id="{D4F290E3-DEB7-BD6C-083C-4411A1A2E71E}"/>
               </a:ext>
             </a:extLst>
           </p:cNvPr>
@@ -1792,7 +1792,7 @@
           <p:cNvPr id="7" name="日期占位符 6">
             <a:extLst>
               <a:ext uri="{FF2B5EF4-FFF2-40B4-BE49-F238E27FC236}">
-                <a16:creationId xmlns:a16="http://schemas.microsoft.com/office/drawing/2014/main" id="{85852771-A1BA-695B-5F1A-560E9C615F34}"/>
+                <a16:creationId xmlns:a16="http://schemas.microsoft.com/office/drawing/2014/main" id="{DA78B443-7CED-CBE4-3E58-EE51A4B5DFDD}"/>
               </a:ext>
             </a:extLst>
           </p:cNvPr>
@@ -1808,7 +1808,7 @@
           <a:bodyPr/>
           <a:lstStyle/>
           <a:p>
-            <a:fld id="{67F69318-8E4A-4DA1-977C-2651B6555046}" type="datetimeFigureOut">
+            <a:fld id="{DD3431AF-418D-447D-A611-689E063CF53D}" type="datetimeFigureOut">
               <a:rPr lang="zh-CN" altLang="en-US" smtClean="0"/>
               <a:t>2024/3/10</a:t>
             </a:fld>
@@ -1821,7 +1821,7 @@
           <p:cNvPr id="8" name="页脚占位符 7">
             <a:extLst>
               <a:ext uri="{FF2B5EF4-FFF2-40B4-BE49-F238E27FC236}">
-                <a16:creationId xmlns:a16="http://schemas.microsoft.com/office/drawing/2014/main" id="{82FB95BA-94A3-745D-121A-2E39299CEEE3}"/>
+                <a16:creationId xmlns:a16="http://schemas.microsoft.com/office/drawing/2014/main" id="{C7B8230B-C82B-0D7F-73BC-F72F08016D3E}"/>
               </a:ext>
             </a:extLst>
           </p:cNvPr>
@@ -1846,7 +1846,7 @@
           <p:cNvPr id="9" name="灯片编号占位符 8">
             <a:extLst>
               <a:ext uri="{FF2B5EF4-FFF2-40B4-BE49-F238E27FC236}">
-                <a16:creationId xmlns:a16="http://schemas.microsoft.com/office/drawing/2014/main" id="{8EC31F92-264F-A514-40B0-8EA8F3688650}"/>
+                <a16:creationId xmlns:a16="http://schemas.microsoft.com/office/drawing/2014/main" id="{299DA020-8F68-E826-49F7-FABB853E328A}"/>
               </a:ext>
             </a:extLst>
           </p:cNvPr>
@@ -1862,7 +1862,7 @@
           <a:bodyPr/>
           <a:lstStyle/>
           <a:p>
-            <a:fld id="{E3E6527D-611E-4785-852C-D06FCDCCFF34}" type="slidenum">
+            <a:fld id="{CC1420C6-95F6-4AE6-A1E9-753787651684}" type="slidenum">
               <a:rPr lang="zh-CN" altLang="en-US" smtClean="0"/>
               <a:t>‹#›</a:t>
             </a:fld>
@@ -1873,7 +1873,7 @@
     </p:spTree>
     <p:extLst>
       <p:ext uri="{BB962C8B-B14F-4D97-AF65-F5344CB8AC3E}">
-        <p14:creationId xmlns:p14="http://schemas.microsoft.com/office/powerpoint/2010/main" val="1003968813"/>
+        <p14:creationId xmlns:p14="http://schemas.microsoft.com/office/powerpoint/2010/main" val="1923056619"/>
       </p:ext>
     </p:extLst>
   </p:cSld>
@@ -1905,7 +1905,7 @@
           <p:cNvPr id="2" name="标题 1">
             <a:extLst>
               <a:ext uri="{FF2B5EF4-FFF2-40B4-BE49-F238E27FC236}">
-                <a16:creationId xmlns:a16="http://schemas.microsoft.com/office/drawing/2014/main" id="{7C0AC8BE-5EDD-8F17-6FBF-4EFF3DEC6CBB}"/>
+                <a16:creationId xmlns:a16="http://schemas.microsoft.com/office/drawing/2014/main" id="{389C9DC8-7E72-80EA-CF36-69137119515B}"/>
               </a:ext>
             </a:extLst>
           </p:cNvPr>
@@ -1933,7 +1933,7 @@
           <p:cNvPr id="3" name="日期占位符 2">
             <a:extLst>
               <a:ext uri="{FF2B5EF4-FFF2-40B4-BE49-F238E27FC236}">
-                <a16:creationId xmlns:a16="http://schemas.microsoft.com/office/drawing/2014/main" id="{913840D8-A3F2-D1C2-C944-15CB9E611944}"/>
+                <a16:creationId xmlns:a16="http://schemas.microsoft.com/office/drawing/2014/main" id="{4AD3A98A-9590-5E51-9C7B-E7A756261606}"/>
               </a:ext>
             </a:extLst>
           </p:cNvPr>
@@ -1949,7 +1949,7 @@
           <a:bodyPr/>
           <a:lstStyle/>
           <a:p>
-            <a:fld id="{67F69318-8E4A-4DA1-977C-2651B6555046}" type="datetimeFigureOut">
+            <a:fld id="{DD3431AF-418D-447D-A611-689E063CF53D}" type="datetimeFigureOut">
               <a:rPr lang="zh-CN" altLang="en-US" smtClean="0"/>
               <a:t>2024/3/10</a:t>
             </a:fld>
@@ -1962,7 +1962,7 @@
           <p:cNvPr id="4" name="页脚占位符 3">
             <a:extLst>
               <a:ext uri="{FF2B5EF4-FFF2-40B4-BE49-F238E27FC236}">
-                <a16:creationId xmlns:a16="http://schemas.microsoft.com/office/drawing/2014/main" id="{BBC4E551-724D-3725-C679-DB6DC1BCF418}"/>
+                <a16:creationId xmlns:a16="http://schemas.microsoft.com/office/drawing/2014/main" id="{ABB4A6DB-492A-F18D-DA7C-600FFB336E3B}"/>
               </a:ext>
             </a:extLst>
           </p:cNvPr>
@@ -1987,7 +1987,7 @@
           <p:cNvPr id="5" name="灯片编号占位符 4">
             <a:extLst>
               <a:ext uri="{FF2B5EF4-FFF2-40B4-BE49-F238E27FC236}">
-                <a16:creationId xmlns:a16="http://schemas.microsoft.com/office/drawing/2014/main" id="{FFE3B1B4-DD75-9BF9-4AF3-97097A6DB3F9}"/>
+                <a16:creationId xmlns:a16="http://schemas.microsoft.com/office/drawing/2014/main" id="{921FE43B-CCE6-B19C-D776-A1F6FE8B23D0}"/>
               </a:ext>
             </a:extLst>
           </p:cNvPr>
@@ -2003,7 +2003,7 @@
           <a:bodyPr/>
           <a:lstStyle/>
           <a:p>
-            <a:fld id="{E3E6527D-611E-4785-852C-D06FCDCCFF34}" type="slidenum">
+            <a:fld id="{CC1420C6-95F6-4AE6-A1E9-753787651684}" type="slidenum">
               <a:rPr lang="zh-CN" altLang="en-US" smtClean="0"/>
               <a:t>‹#›</a:t>
             </a:fld>
@@ -2014,7 +2014,7 @@
     </p:spTree>
     <p:extLst>
       <p:ext uri="{BB962C8B-B14F-4D97-AF65-F5344CB8AC3E}">
-        <p14:creationId xmlns:p14="http://schemas.microsoft.com/office/powerpoint/2010/main" val="3381067529"/>
+        <p14:creationId xmlns:p14="http://schemas.microsoft.com/office/powerpoint/2010/main" val="1944074549"/>
       </p:ext>
     </p:extLst>
   </p:cSld>
@@ -2046,7 +2046,7 @@
           <p:cNvPr id="2" name="日期占位符 1">
             <a:extLst>
               <a:ext uri="{FF2B5EF4-FFF2-40B4-BE49-F238E27FC236}">
-                <a16:creationId xmlns:a16="http://schemas.microsoft.com/office/drawing/2014/main" id="{6A990E3D-A6AF-CD1A-B249-61095397500F}"/>
+                <a16:creationId xmlns:a16="http://schemas.microsoft.com/office/drawing/2014/main" id="{0B633BEA-9D9A-2DD9-15C9-B0B11D05E608}"/>
               </a:ext>
             </a:extLst>
           </p:cNvPr>
@@ -2062,7 +2062,7 @@
           <a:bodyPr/>
           <a:lstStyle/>
           <a:p>
-            <a:fld id="{67F69318-8E4A-4DA1-977C-2651B6555046}" type="datetimeFigureOut">
+            <a:fld id="{DD3431AF-418D-447D-A611-689E063CF53D}" type="datetimeFigureOut">
               <a:rPr lang="zh-CN" altLang="en-US" smtClean="0"/>
               <a:t>2024/3/10</a:t>
             </a:fld>
@@ -2075,7 +2075,7 @@
           <p:cNvPr id="3" name="页脚占位符 2">
             <a:extLst>
               <a:ext uri="{FF2B5EF4-FFF2-40B4-BE49-F238E27FC236}">
-                <a16:creationId xmlns:a16="http://schemas.microsoft.com/office/drawing/2014/main" id="{71A3DB60-DD6D-FE24-1CDD-3FB89603909A}"/>
+                <a16:creationId xmlns:a16="http://schemas.microsoft.com/office/drawing/2014/main" id="{A3598C3F-DCAF-2C06-D836-964F9A998114}"/>
               </a:ext>
             </a:extLst>
           </p:cNvPr>
@@ -2100,7 +2100,7 @@
           <p:cNvPr id="4" name="灯片编号占位符 3">
             <a:extLst>
               <a:ext uri="{FF2B5EF4-FFF2-40B4-BE49-F238E27FC236}">
-                <a16:creationId xmlns:a16="http://schemas.microsoft.com/office/drawing/2014/main" id="{9907629C-4DC4-729C-8565-60BCDFAB85D5}"/>
+                <a16:creationId xmlns:a16="http://schemas.microsoft.com/office/drawing/2014/main" id="{ED74608D-E340-6367-747E-9CEB1E5E79AE}"/>
               </a:ext>
             </a:extLst>
           </p:cNvPr>
@@ -2116,7 +2116,7 @@
           <a:bodyPr/>
           <a:lstStyle/>
           <a:p>
-            <a:fld id="{E3E6527D-611E-4785-852C-D06FCDCCFF34}" type="slidenum">
+            <a:fld id="{CC1420C6-95F6-4AE6-A1E9-753787651684}" type="slidenum">
               <a:rPr lang="zh-CN" altLang="en-US" smtClean="0"/>
               <a:t>‹#›</a:t>
             </a:fld>
@@ -2127,7 +2127,7 @@
     </p:spTree>
     <p:extLst>
       <p:ext uri="{BB962C8B-B14F-4D97-AF65-F5344CB8AC3E}">
-        <p14:creationId xmlns:p14="http://schemas.microsoft.com/office/powerpoint/2010/main" val="1677746006"/>
+        <p14:creationId xmlns:p14="http://schemas.microsoft.com/office/powerpoint/2010/main" val="4083958813"/>
       </p:ext>
     </p:extLst>
   </p:cSld>
@@ -2159,7 +2159,7 @@
           <p:cNvPr id="2" name="标题 1">
             <a:extLst>
               <a:ext uri="{FF2B5EF4-FFF2-40B4-BE49-F238E27FC236}">
-                <a16:creationId xmlns:a16="http://schemas.microsoft.com/office/drawing/2014/main" id="{FFD04317-4502-017D-C477-8D35615A26C1}"/>
+                <a16:creationId xmlns:a16="http://schemas.microsoft.com/office/drawing/2014/main" id="{AD5E9ED4-C082-EF6E-25C9-1ADB62434FA7}"/>
               </a:ext>
             </a:extLst>
           </p:cNvPr>
@@ -2196,7 +2196,7 @@
           <p:cNvPr id="3" name="内容占位符 2">
             <a:extLst>
               <a:ext uri="{FF2B5EF4-FFF2-40B4-BE49-F238E27FC236}">
-                <a16:creationId xmlns:a16="http://schemas.microsoft.com/office/drawing/2014/main" id="{9D1909ED-CD02-7410-E177-BB34D198397A}"/>
+                <a16:creationId xmlns:a16="http://schemas.microsoft.com/office/drawing/2014/main" id="{79D5E38B-D13C-33D9-DCBD-017FA8149500}"/>
               </a:ext>
             </a:extLst>
           </p:cNvPr>
@@ -2286,7 +2286,7 @@
           <p:cNvPr id="4" name="文本占位符 3">
             <a:extLst>
               <a:ext uri="{FF2B5EF4-FFF2-40B4-BE49-F238E27FC236}">
-                <a16:creationId xmlns:a16="http://schemas.microsoft.com/office/drawing/2014/main" id="{00293845-7C74-7E58-D4B8-CFA1137B9CEF}"/>
+                <a16:creationId xmlns:a16="http://schemas.microsoft.com/office/drawing/2014/main" id="{27ABAC28-E632-9AC9-ACBD-B0F924F355C0}"/>
               </a:ext>
             </a:extLst>
           </p:cNvPr>
@@ -2357,7 +2357,7 @@
           <p:cNvPr id="5" name="日期占位符 4">
             <a:extLst>
               <a:ext uri="{FF2B5EF4-FFF2-40B4-BE49-F238E27FC236}">
-                <a16:creationId xmlns:a16="http://schemas.microsoft.com/office/drawing/2014/main" id="{16529832-29F1-8D87-4373-38710F3BD1A1}"/>
+                <a16:creationId xmlns:a16="http://schemas.microsoft.com/office/drawing/2014/main" id="{13C251F6-5293-488B-17D7-6F744B76AEAB}"/>
               </a:ext>
             </a:extLst>
           </p:cNvPr>
@@ -2373,7 +2373,7 @@
           <a:bodyPr/>
           <a:lstStyle/>
           <a:p>
-            <a:fld id="{67F69318-8E4A-4DA1-977C-2651B6555046}" type="datetimeFigureOut">
+            <a:fld id="{DD3431AF-418D-447D-A611-689E063CF53D}" type="datetimeFigureOut">
               <a:rPr lang="zh-CN" altLang="en-US" smtClean="0"/>
               <a:t>2024/3/10</a:t>
             </a:fld>
@@ -2386,7 +2386,7 @@
           <p:cNvPr id="6" name="页脚占位符 5">
             <a:extLst>
               <a:ext uri="{FF2B5EF4-FFF2-40B4-BE49-F238E27FC236}">
-                <a16:creationId xmlns:a16="http://schemas.microsoft.com/office/drawing/2014/main" id="{BD33BE53-9DA3-0F10-BA6E-0D8ABEB3D60D}"/>
+                <a16:creationId xmlns:a16="http://schemas.microsoft.com/office/drawing/2014/main" id="{8284300D-AD18-80A3-DB08-03B03182EA27}"/>
               </a:ext>
             </a:extLst>
           </p:cNvPr>
@@ -2411,7 +2411,7 @@
           <p:cNvPr id="7" name="灯片编号占位符 6">
             <a:extLst>
               <a:ext uri="{FF2B5EF4-FFF2-40B4-BE49-F238E27FC236}">
-                <a16:creationId xmlns:a16="http://schemas.microsoft.com/office/drawing/2014/main" id="{4637F6A8-009B-CE5D-64F7-046AB4C74985}"/>
+                <a16:creationId xmlns:a16="http://schemas.microsoft.com/office/drawing/2014/main" id="{11336460-D3E3-68BA-4BA9-BC64DEB2EE7C}"/>
               </a:ext>
             </a:extLst>
           </p:cNvPr>
@@ -2427,7 +2427,7 @@
           <a:bodyPr/>
           <a:lstStyle/>
           <a:p>
-            <a:fld id="{E3E6527D-611E-4785-852C-D06FCDCCFF34}" type="slidenum">
+            <a:fld id="{CC1420C6-95F6-4AE6-A1E9-753787651684}" type="slidenum">
               <a:rPr lang="zh-CN" altLang="en-US" smtClean="0"/>
               <a:t>‹#›</a:t>
             </a:fld>
@@ -2438,7 +2438,7 @@
     </p:spTree>
     <p:extLst>
       <p:ext uri="{BB962C8B-B14F-4D97-AF65-F5344CB8AC3E}">
-        <p14:creationId xmlns:p14="http://schemas.microsoft.com/office/powerpoint/2010/main" val="1885543873"/>
+        <p14:creationId xmlns:p14="http://schemas.microsoft.com/office/powerpoint/2010/main" val="1821103926"/>
       </p:ext>
     </p:extLst>
   </p:cSld>
@@ -2470,7 +2470,7 @@
           <p:cNvPr id="2" name="标题 1">
             <a:extLst>
               <a:ext uri="{FF2B5EF4-FFF2-40B4-BE49-F238E27FC236}">
-                <a16:creationId xmlns:a16="http://schemas.microsoft.com/office/drawing/2014/main" id="{B943765B-C17E-4318-3211-0BBE20FE4911}"/>
+                <a16:creationId xmlns:a16="http://schemas.microsoft.com/office/drawing/2014/main" id="{6FEC9961-7F26-6EE9-887A-E6E758E727C1}"/>
               </a:ext>
             </a:extLst>
           </p:cNvPr>
@@ -2507,7 +2507,7 @@
           <p:cNvPr id="3" name="图片占位符 2">
             <a:extLst>
               <a:ext uri="{FF2B5EF4-FFF2-40B4-BE49-F238E27FC236}">
-                <a16:creationId xmlns:a16="http://schemas.microsoft.com/office/drawing/2014/main" id="{E0F22613-B01F-9428-E379-97381F0CDA0C}"/>
+                <a16:creationId xmlns:a16="http://schemas.microsoft.com/office/drawing/2014/main" id="{CF6ADB2E-63E1-214B-1317-4F8E5601A8F2}"/>
               </a:ext>
             </a:extLst>
           </p:cNvPr>
@@ -2574,7 +2574,7 @@
           <p:cNvPr id="4" name="文本占位符 3">
             <a:extLst>
               <a:ext uri="{FF2B5EF4-FFF2-40B4-BE49-F238E27FC236}">
-                <a16:creationId xmlns:a16="http://schemas.microsoft.com/office/drawing/2014/main" id="{2376C3D0-A167-F61F-E989-085020D733C8}"/>
+                <a16:creationId xmlns:a16="http://schemas.microsoft.com/office/drawing/2014/main" id="{24934CD6-9367-2546-946C-9EF86B168226}"/>
               </a:ext>
             </a:extLst>
           </p:cNvPr>
@@ -2645,7 +2645,7 @@
           <p:cNvPr id="5" name="日期占位符 4">
             <a:extLst>
               <a:ext uri="{FF2B5EF4-FFF2-40B4-BE49-F238E27FC236}">
-                <a16:creationId xmlns:a16="http://schemas.microsoft.com/office/drawing/2014/main" id="{1F603CDD-251A-BF04-6FC4-5F25FBC27F8C}"/>
+                <a16:creationId xmlns:a16="http://schemas.microsoft.com/office/drawing/2014/main" id="{CC5BE0B4-CD3A-DD33-0778-A9130DE94951}"/>
               </a:ext>
             </a:extLst>
           </p:cNvPr>
@@ -2661,7 +2661,7 @@
           <a:bodyPr/>
           <a:lstStyle/>
           <a:p>
-            <a:fld id="{67F69318-8E4A-4DA1-977C-2651B6555046}" type="datetimeFigureOut">
+            <a:fld id="{DD3431AF-418D-447D-A611-689E063CF53D}" type="datetimeFigureOut">
               <a:rPr lang="zh-CN" altLang="en-US" smtClean="0"/>
               <a:t>2024/3/10</a:t>
             </a:fld>
@@ -2674,7 +2674,7 @@
           <p:cNvPr id="6" name="页脚占位符 5">
             <a:extLst>
               <a:ext uri="{FF2B5EF4-FFF2-40B4-BE49-F238E27FC236}">
-                <a16:creationId xmlns:a16="http://schemas.microsoft.com/office/drawing/2014/main" id="{1D44CA74-AABE-BDD2-6DB4-A8DA0905EBFC}"/>
+                <a16:creationId xmlns:a16="http://schemas.microsoft.com/office/drawing/2014/main" id="{3F0156DB-34DD-8E01-52F9-32B1A290E7B6}"/>
               </a:ext>
             </a:extLst>
           </p:cNvPr>
@@ -2699,7 +2699,7 @@
           <p:cNvPr id="7" name="灯片编号占位符 6">
             <a:extLst>
               <a:ext uri="{FF2B5EF4-FFF2-40B4-BE49-F238E27FC236}">
-                <a16:creationId xmlns:a16="http://schemas.microsoft.com/office/drawing/2014/main" id="{F6D542CA-6AC0-96E5-D93B-12AFF70C4663}"/>
+                <a16:creationId xmlns:a16="http://schemas.microsoft.com/office/drawing/2014/main" id="{0A25627D-3C09-C8AD-2CFF-929A16A1827B}"/>
               </a:ext>
             </a:extLst>
           </p:cNvPr>
@@ -2715,7 +2715,7 @@
           <a:bodyPr/>
           <a:lstStyle/>
           <a:p>
-            <a:fld id="{E3E6527D-611E-4785-852C-D06FCDCCFF34}" type="slidenum">
+            <a:fld id="{CC1420C6-95F6-4AE6-A1E9-753787651684}" type="slidenum">
               <a:rPr lang="zh-CN" altLang="en-US" smtClean="0"/>
               <a:t>‹#›</a:t>
             </a:fld>
@@ -2726,7 +2726,7 @@
     </p:spTree>
     <p:extLst>
       <p:ext uri="{BB962C8B-B14F-4D97-AF65-F5344CB8AC3E}">
-        <p14:creationId xmlns:p14="http://schemas.microsoft.com/office/powerpoint/2010/main" val="980992966"/>
+        <p14:creationId xmlns:p14="http://schemas.microsoft.com/office/powerpoint/2010/main" val="974166588"/>
       </p:ext>
     </p:extLst>
   </p:cSld>
@@ -2763,7 +2763,7 @@
           <p:cNvPr id="2" name="标题占位符 1">
             <a:extLst>
               <a:ext uri="{FF2B5EF4-FFF2-40B4-BE49-F238E27FC236}">
-                <a16:creationId xmlns:a16="http://schemas.microsoft.com/office/drawing/2014/main" id="{3EFDC6DE-FF64-9255-B773-422BBD036153}"/>
+                <a16:creationId xmlns:a16="http://schemas.microsoft.com/office/drawing/2014/main" id="{627154E2-6553-8605-A93B-7BF043B4FEE3}"/>
               </a:ext>
             </a:extLst>
           </p:cNvPr>
@@ -2801,7 +2801,7 @@
           <p:cNvPr id="3" name="文本占位符 2">
             <a:extLst>
               <a:ext uri="{FF2B5EF4-FFF2-40B4-BE49-F238E27FC236}">
-                <a16:creationId xmlns:a16="http://schemas.microsoft.com/office/drawing/2014/main" id="{16A26116-9A1E-C5C6-DBDC-6B7662131C6D}"/>
+                <a16:creationId xmlns:a16="http://schemas.microsoft.com/office/drawing/2014/main" id="{E98688A5-5599-55D1-173F-6845AA6D5366}"/>
               </a:ext>
             </a:extLst>
           </p:cNvPr>
@@ -2868,7 +2868,7 @@
           <p:cNvPr id="4" name="日期占位符 3">
             <a:extLst>
               <a:ext uri="{FF2B5EF4-FFF2-40B4-BE49-F238E27FC236}">
-                <a16:creationId xmlns:a16="http://schemas.microsoft.com/office/drawing/2014/main" id="{3BC3C59F-F5D6-4F3B-F208-61AF21657155}"/>
+                <a16:creationId xmlns:a16="http://schemas.microsoft.com/office/drawing/2014/main" id="{499FF2D6-B92C-459E-137C-771D5C1B2F44}"/>
               </a:ext>
             </a:extLst>
           </p:cNvPr>
@@ -2902,7 +2902,7 @@
             </a:lvl1pPr>
           </a:lstStyle>
           <a:p>
-            <a:fld id="{67F69318-8E4A-4DA1-977C-2651B6555046}" type="datetimeFigureOut">
+            <a:fld id="{DD3431AF-418D-447D-A611-689E063CF53D}" type="datetimeFigureOut">
               <a:rPr lang="zh-CN" altLang="en-US" smtClean="0"/>
               <a:t>2024/3/10</a:t>
             </a:fld>
@@ -2915,7 +2915,7 @@
           <p:cNvPr id="5" name="页脚占位符 4">
             <a:extLst>
               <a:ext uri="{FF2B5EF4-FFF2-40B4-BE49-F238E27FC236}">
-                <a16:creationId xmlns:a16="http://schemas.microsoft.com/office/drawing/2014/main" id="{484F5F10-0443-F06C-0B51-A17749103EB0}"/>
+                <a16:creationId xmlns:a16="http://schemas.microsoft.com/office/drawing/2014/main" id="{1905A598-C61C-887B-714D-A135740F934B}"/>
               </a:ext>
             </a:extLst>
           </p:cNvPr>
@@ -2958,7 +2958,7 @@
           <p:cNvPr id="6" name="灯片编号占位符 5">
             <a:extLst>
               <a:ext uri="{FF2B5EF4-FFF2-40B4-BE49-F238E27FC236}">
-                <a16:creationId xmlns:a16="http://schemas.microsoft.com/office/drawing/2014/main" id="{40BB6E8C-0783-D71B-D98C-4272C50AC65D}"/>
+                <a16:creationId xmlns:a16="http://schemas.microsoft.com/office/drawing/2014/main" id="{10543668-D945-5286-6522-75B817705012}"/>
               </a:ext>
             </a:extLst>
           </p:cNvPr>
@@ -2992,7 +2992,7 @@
             </a:lvl1pPr>
           </a:lstStyle>
           <a:p>
-            <a:fld id="{E3E6527D-611E-4785-852C-D06FCDCCFF34}" type="slidenum">
+            <a:fld id="{CC1420C6-95F6-4AE6-A1E9-753787651684}" type="slidenum">
               <a:rPr lang="zh-CN" altLang="en-US" smtClean="0"/>
               <a:t>‹#›</a:t>
             </a:fld>
@@ -3003,7 +3003,7 @@
     </p:spTree>
     <p:extLst>
       <p:ext uri="{BB962C8B-B14F-4D97-AF65-F5344CB8AC3E}">
-        <p14:creationId xmlns:p14="http://schemas.microsoft.com/office/powerpoint/2010/main" val="64318606"/>
+        <p14:creationId xmlns:p14="http://schemas.microsoft.com/office/powerpoint/2010/main" val="3257716543"/>
       </p:ext>
     </p:extLst>
   </p:cSld>
@@ -3323,7 +3323,7 @@
       </p:grpSpPr>
       <p:pic>
         <p:nvPicPr>
-          <p:cNvPr id="904194" name="Picture 2" descr="882"/>
+          <p:cNvPr id="905218" name="Picture 2" descr="883"/>
           <p:cNvPicPr>
             <a:picLocks noChangeAspect="1" noChangeArrowheads="1"/>
           </p:cNvPicPr>
@@ -3344,8 +3344,8 @@
         </p:blipFill>
         <p:spPr bwMode="auto">
           <a:xfrm>
-            <a:off x="1524000" y="0"/>
-            <a:ext cx="9144000" cy="6858000"/>
+            <a:off x="1524000" y="1"/>
+            <a:ext cx="9124950" cy="6843713"/>
           </a:xfrm>
           <a:prstGeom prst="rect">
             <a:avLst/>
